--- a/ppt/15-recsys.pptx
+++ b/ppt/15-recsys.pptx
@@ -256,7 +256,7 @@
           <a:p>
             <a:fld id="{D3BEEC95-E011-6741-8BEC-507C58F722F3}" type="datetimeFigureOut">
               <a:rPr kumimoji="1" lang="zh-CN" altLang="en-US" smtClean="0"/>
-              <a:t>2020/10/13</a:t>
+              <a:t>2022/9/21</a:t>
             </a:fld>
             <a:endParaRPr kumimoji="1" lang="zh-CN" altLang="en-US"/>
           </a:p>
@@ -5029,7 +5029,7 @@
           <a:p>
             <a:fld id="{41136C6D-DA52-F446-AF2C-1275BD7C383D}" type="datetimeFigureOut">
               <a:rPr kumimoji="1" lang="zh-CN" altLang="en-US" smtClean="0"/>
-              <a:t>2020/10/13</a:t>
+              <a:t>2022/9/21</a:t>
             </a:fld>
             <a:endParaRPr kumimoji="1" lang="zh-CN" altLang="en-US"/>
           </a:p>
@@ -5175,7 +5175,7 @@
           <a:p>
             <a:fld id="{41136C6D-DA52-F446-AF2C-1275BD7C383D}" type="datetimeFigureOut">
               <a:rPr kumimoji="1" lang="zh-CN" altLang="en-US" smtClean="0"/>
-              <a:t>2020/10/13</a:t>
+              <a:t>2022/9/21</a:t>
             </a:fld>
             <a:endParaRPr kumimoji="1" lang="zh-CN" altLang="en-US"/>
           </a:p>
@@ -5331,7 +5331,7 @@
           <a:p>
             <a:fld id="{41136C6D-DA52-F446-AF2C-1275BD7C383D}" type="datetimeFigureOut">
               <a:rPr kumimoji="1" lang="zh-CN" altLang="en-US" smtClean="0"/>
-              <a:t>2020/10/13</a:t>
+              <a:t>2022/9/21</a:t>
             </a:fld>
             <a:endParaRPr kumimoji="1" lang="zh-CN" altLang="en-US"/>
           </a:p>
@@ -5477,7 +5477,7 @@
           <a:p>
             <a:fld id="{41136C6D-DA52-F446-AF2C-1275BD7C383D}" type="datetimeFigureOut">
               <a:rPr kumimoji="1" lang="zh-CN" altLang="en-US" smtClean="0"/>
-              <a:t>2020/10/13</a:t>
+              <a:t>2022/9/21</a:t>
             </a:fld>
             <a:endParaRPr kumimoji="1" lang="zh-CN" altLang="en-US"/>
           </a:p>
@@ -5726,7 +5726,7 @@
           <a:p>
             <a:fld id="{41136C6D-DA52-F446-AF2C-1275BD7C383D}" type="datetimeFigureOut">
               <a:rPr kumimoji="1" lang="zh-CN" altLang="en-US" smtClean="0"/>
-              <a:t>2020/10/13</a:t>
+              <a:t>2022/9/21</a:t>
             </a:fld>
             <a:endParaRPr kumimoji="1" lang="zh-CN" altLang="en-US"/>
           </a:p>
@@ -5910,7 +5910,7 @@
           <a:p>
             <a:fld id="{41136C6D-DA52-F446-AF2C-1275BD7C383D}" type="datetimeFigureOut">
               <a:rPr kumimoji="1" lang="zh-CN" altLang="en-US" smtClean="0"/>
-              <a:t>2020/10/13</a:t>
+              <a:t>2022/9/21</a:t>
             </a:fld>
             <a:endParaRPr kumimoji="1" lang="zh-CN" altLang="en-US"/>
           </a:p>
@@ -6239,7 +6239,7 @@
           <a:p>
             <a:fld id="{41136C6D-DA52-F446-AF2C-1275BD7C383D}" type="datetimeFigureOut">
               <a:rPr kumimoji="1" lang="zh-CN" altLang="en-US" smtClean="0"/>
-              <a:t>2020/10/13</a:t>
+              <a:t>2022/9/21</a:t>
             </a:fld>
             <a:endParaRPr kumimoji="1" lang="zh-CN" altLang="en-US"/>
           </a:p>
@@ -6357,7 +6357,7 @@
           <a:p>
             <a:fld id="{41136C6D-DA52-F446-AF2C-1275BD7C383D}" type="datetimeFigureOut">
               <a:rPr kumimoji="1" lang="zh-CN" altLang="en-US" smtClean="0"/>
-              <a:t>2020/10/13</a:t>
+              <a:t>2022/9/21</a:t>
             </a:fld>
             <a:endParaRPr kumimoji="1" lang="zh-CN" altLang="en-US"/>
           </a:p>
@@ -6452,7 +6452,7 @@
           <a:p>
             <a:fld id="{41136C6D-DA52-F446-AF2C-1275BD7C383D}" type="datetimeFigureOut">
               <a:rPr kumimoji="1" lang="zh-CN" altLang="en-US" smtClean="0"/>
-              <a:t>2020/10/13</a:t>
+              <a:t>2022/9/21</a:t>
             </a:fld>
             <a:endParaRPr kumimoji="1" lang="zh-CN" altLang="en-US"/>
           </a:p>
@@ -6710,7 +6710,7 @@
           <a:p>
             <a:fld id="{41136C6D-DA52-F446-AF2C-1275BD7C383D}" type="datetimeFigureOut">
               <a:rPr kumimoji="1" lang="zh-CN" altLang="en-US" smtClean="0"/>
-              <a:t>2020/10/13</a:t>
+              <a:t>2022/9/21</a:t>
             </a:fld>
             <a:endParaRPr kumimoji="1" lang="zh-CN" altLang="en-US"/>
           </a:p>
@@ -6972,7 +6972,7 @@
           <a:p>
             <a:fld id="{41136C6D-DA52-F446-AF2C-1275BD7C383D}" type="datetimeFigureOut">
               <a:rPr kumimoji="1" lang="zh-CN" altLang="en-US" smtClean="0"/>
-              <a:t>2020/10/13</a:t>
+              <a:t>2022/9/21</a:t>
             </a:fld>
             <a:endParaRPr kumimoji="1" lang="zh-CN" altLang="en-US"/>
           </a:p>
@@ -7161,7 +7161,7 @@
           <a:p>
             <a:fld id="{41136C6D-DA52-F446-AF2C-1275BD7C383D}" type="datetimeFigureOut">
               <a:rPr kumimoji="1" lang="zh-CN" altLang="en-US" smtClean="0"/>
-              <a:t>2020/10/13</a:t>
+              <a:t>2022/9/21</a:t>
             </a:fld>
             <a:endParaRPr kumimoji="1" lang="zh-CN" altLang="en-US"/>
           </a:p>
@@ -8570,7 +8570,7 @@
         </p:nvSpPr>
         <p:spPr>
           <a:xfrm>
-            <a:off x="1543050" y="914400"/>
+            <a:off x="1450323" y="550962"/>
             <a:ext cx="6172200" cy="857250"/>
           </a:xfrm>
         </p:spPr>
@@ -8580,11 +8580,11 @@
           <a:p>
             <a:pPr eaLnBrk="1" hangingPunct="1"/>
             <a:r>
-              <a:rPr lang="zh-CN" altLang="en-US"/>
+              <a:rPr lang="zh-CN" altLang="en-US" dirty="0"/>
               <a:t>文本特征字提取：</a:t>
             </a:r>
             <a:r>
-              <a:rPr lang="en-US" altLang="zh-CN"/>
+              <a:rPr lang="en-US" altLang="zh-CN" dirty="0"/>
               <a:t>TF.IDF</a:t>
             </a:r>
           </a:p>
@@ -8608,13 +8608,13 @@
         </p:nvSpPr>
         <p:spPr>
           <a:xfrm>
-            <a:off x="1543050" y="1714501"/>
-            <a:ext cx="6172200" cy="3394472"/>
+            <a:off x="773723" y="1714500"/>
+            <a:ext cx="7857811" cy="4796831"/>
           </a:xfrm>
         </p:spPr>
         <p:txBody>
           <a:bodyPr>
-            <a:normAutofit fontScale="70000" lnSpcReduction="20000"/>
+            <a:normAutofit lnSpcReduction="10000"/>
           </a:bodyPr>
           <a:lstStyle/>
           <a:p>
@@ -8626,30 +8626,38 @@
               <a:buNone/>
             </a:pPr>
             <a:r>
-              <a:rPr lang="en-US" altLang="zh-CN"/>
+              <a:rPr lang="en-US" altLang="zh-CN" dirty="0" err="1"/>
               <a:t>f</a:t>
             </a:r>
             <a:r>
-              <a:rPr lang="en-US" altLang="zh-CN" baseline="-25000"/>
+              <a:rPr lang="en-US" altLang="zh-CN" baseline="-25000" dirty="0" err="1"/>
               <a:t>ij</a:t>
             </a:r>
             <a:r>
-              <a:rPr lang="en-US" altLang="zh-CN"/>
-              <a:t> = frequency of term t</a:t>
-            </a:r>
-            <a:r>
-              <a:rPr lang="en-US" altLang="zh-CN" baseline="-25000"/>
+              <a:rPr lang="en-US" altLang="zh-CN" dirty="0"/>
+              <a:t> = frequency of term </a:t>
+            </a:r>
+            <a:r>
+              <a:rPr lang="en-US" altLang="zh-CN" dirty="0" err="1"/>
+              <a:t>t</a:t>
+            </a:r>
+            <a:r>
+              <a:rPr lang="en-US" altLang="zh-CN" baseline="-25000" dirty="0" err="1"/>
               <a:t>i</a:t>
             </a:r>
             <a:r>
-              <a:rPr lang="en-US" altLang="zh-CN"/>
-              <a:t> in document d</a:t>
-            </a:r>
-            <a:r>
-              <a:rPr lang="en-US" altLang="zh-CN" baseline="-25000"/>
+              <a:rPr lang="en-US" altLang="zh-CN" dirty="0"/>
+              <a:t> in document </a:t>
+            </a:r>
+            <a:r>
+              <a:rPr lang="en-US" altLang="zh-CN" dirty="0" err="1"/>
+              <a:t>d</a:t>
+            </a:r>
+            <a:r>
+              <a:rPr lang="en-US" altLang="zh-CN" baseline="-25000" dirty="0" err="1"/>
               <a:t>j</a:t>
             </a:r>
-            <a:endParaRPr lang="en-US" altLang="zh-CN"/>
+            <a:endParaRPr lang="en-US" altLang="zh-CN" dirty="0"/>
           </a:p>
           <a:p>
             <a:pPr eaLnBrk="1" hangingPunct="1">
@@ -8657,7 +8665,7 @@
                 <a:spcPct val="90000"/>
               </a:lnSpc>
             </a:pPr>
-            <a:endParaRPr lang="en-US" altLang="zh-CN"/>
+            <a:endParaRPr lang="en-US" altLang="zh-CN" dirty="0"/>
           </a:p>
           <a:p>
             <a:pPr eaLnBrk="1" hangingPunct="1">
@@ -8667,7 +8675,7 @@
               <a:buFontTx/>
               <a:buNone/>
             </a:pPr>
-            <a:endParaRPr lang="en-US" altLang="zh-CN"/>
+            <a:endParaRPr lang="en-US" altLang="zh-CN" dirty="0"/>
           </a:p>
           <a:p>
             <a:pPr eaLnBrk="1" hangingPunct="1">
@@ -8678,17 +8686,22 @@
               <a:buNone/>
             </a:pPr>
             <a:r>
-              <a:rPr lang="en-US" altLang="zh-CN"/>
+              <a:rPr lang="en-US" altLang="zh-CN" dirty="0" err="1"/>
               <a:t>n</a:t>
             </a:r>
             <a:r>
-              <a:rPr lang="en-US" altLang="zh-CN" baseline="-25000"/>
+              <a:rPr lang="en-US" altLang="zh-CN" baseline="-25000" dirty="0" err="1"/>
               <a:t>i</a:t>
             </a:r>
             <a:r>
-              <a:rPr lang="en-US" altLang="zh-CN"/>
-              <a:t> = number of docs that mention term i</a:t>
-            </a:r>
+              <a:rPr lang="en-US" altLang="zh-CN" dirty="0"/>
+              <a:t> = number of docs that mention term </a:t>
+            </a:r>
+            <a:r>
+              <a:rPr lang="en-US" altLang="zh-CN" dirty="0" err="1"/>
+              <a:t>i</a:t>
+            </a:r>
+            <a:endParaRPr lang="en-US" altLang="zh-CN" dirty="0"/>
           </a:p>
           <a:p>
             <a:pPr eaLnBrk="1" hangingPunct="1">
@@ -8699,7 +8712,7 @@
               <a:buNone/>
             </a:pPr>
             <a:r>
-              <a:rPr lang="en-US" altLang="zh-CN"/>
+              <a:rPr lang="en-US" altLang="zh-CN" dirty="0"/>
               <a:t>N = total number of docs</a:t>
             </a:r>
           </a:p>
@@ -8711,7 +8724,7 @@
               <a:buFontTx/>
               <a:buNone/>
             </a:pPr>
-            <a:endParaRPr lang="en-US" altLang="zh-CN"/>
+            <a:endParaRPr lang="en-US" altLang="zh-CN" dirty="0"/>
           </a:p>
           <a:p>
             <a:pPr eaLnBrk="1" hangingPunct="1">
@@ -8721,7 +8734,7 @@
               <a:buFontTx/>
               <a:buNone/>
             </a:pPr>
-            <a:endParaRPr lang="en-US" altLang="zh-CN"/>
+            <a:endParaRPr lang="en-US" altLang="zh-CN" dirty="0"/>
           </a:p>
           <a:p>
             <a:pPr eaLnBrk="1" hangingPunct="1">
@@ -8732,40 +8745,52 @@
               <a:buNone/>
             </a:pPr>
             <a:r>
-              <a:rPr lang="en-US" altLang="zh-CN"/>
+              <a:rPr lang="en-US" altLang="zh-CN" dirty="0"/>
               <a:t>TF.IDF score  </a:t>
             </a:r>
             <a:r>
-              <a:rPr lang="en-US" altLang="zh-CN" i="1"/>
+              <a:rPr lang="en-US" altLang="zh-CN" i="1" dirty="0" err="1"/>
               <a:t>w</a:t>
             </a:r>
             <a:r>
-              <a:rPr lang="en-US" altLang="zh-CN" i="1" baseline="-25000"/>
+              <a:rPr lang="en-US" altLang="zh-CN" i="1" baseline="-25000" dirty="0" err="1"/>
               <a:t>ij</a:t>
             </a:r>
             <a:r>
-              <a:rPr lang="en-US" altLang="zh-CN" i="1"/>
-              <a:t> = TF</a:t>
-            </a:r>
-            <a:r>
-              <a:rPr lang="en-US" altLang="zh-CN" i="1" baseline="-25000"/>
-              <a:t>ij </a:t>
-            </a:r>
-            <a:r>
-              <a:rPr lang="en-US" altLang="zh-CN" i="1">
+              <a:rPr lang="en-US" altLang="zh-CN" i="1" dirty="0"/>
+              <a:t> = </a:t>
+            </a:r>
+            <a:r>
+              <a:rPr lang="en-US" altLang="zh-CN" i="1" dirty="0" err="1"/>
+              <a:t>TF</a:t>
+            </a:r>
+            <a:r>
+              <a:rPr lang="en-US" altLang="zh-CN" i="1" baseline="-25000" dirty="0" err="1"/>
+              <a:t>ij</a:t>
+            </a:r>
+            <a:r>
+              <a:rPr lang="en-US" altLang="zh-CN" i="1" baseline="-25000" dirty="0"/>
+              <a:t> </a:t>
+            </a:r>
+            <a:r>
+              <a:rPr lang="en-US" altLang="zh-CN" i="1" dirty="0">
                 <a:latin typeface="cmsy10" pitchFamily="1" charset="0"/>
               </a:rPr>
               <a:t>£</a:t>
             </a:r>
             <a:r>
-              <a:rPr lang="en-US" altLang="zh-CN" i="1"/>
-              <a:t> IDF</a:t>
-            </a:r>
-            <a:r>
-              <a:rPr lang="en-US" altLang="zh-CN" i="1" baseline="-25000"/>
+              <a:rPr lang="en-US" altLang="zh-CN" i="1" dirty="0"/>
+              <a:t> </a:t>
+            </a:r>
+            <a:r>
+              <a:rPr lang="en-US" altLang="zh-CN" i="1" dirty="0" err="1"/>
+              <a:t>IDF</a:t>
+            </a:r>
+            <a:r>
+              <a:rPr lang="en-US" altLang="zh-CN" i="1" baseline="-25000" dirty="0" err="1"/>
               <a:t>i</a:t>
             </a:r>
-            <a:endParaRPr lang="en-US" altLang="zh-CN" i="1"/>
+            <a:endParaRPr lang="en-US" altLang="zh-CN" i="1" dirty="0"/>
           </a:p>
           <a:p>
             <a:pPr eaLnBrk="1" hangingPunct="1">
@@ -8776,7 +8801,7 @@
               <a:buNone/>
             </a:pPr>
             <a:r>
-              <a:rPr lang="en-US" altLang="zh-CN"/>
+              <a:rPr lang="en-US" altLang="zh-CN" dirty="0"/>
               <a:t>Doc profile = set of words with highest TF.IDF scores, together with their scores</a:t>
             </a:r>
           </a:p>
@@ -8815,8 +8840,8 @@
         </p:blipFill>
         <p:spPr bwMode="auto">
           <a:xfrm>
-            <a:off x="2914650" y="2286001"/>
-            <a:ext cx="1828800" cy="489347"/>
+            <a:off x="3467308" y="2327076"/>
+            <a:ext cx="2531525" cy="677381"/>
           </a:xfrm>
           <a:prstGeom prst="rect">
             <a:avLst/>
@@ -8889,8 +8914,8 @@
         </p:blipFill>
         <p:spPr bwMode="auto">
           <a:xfrm>
-            <a:off x="3086100" y="3575449"/>
-            <a:ext cx="1485900" cy="364331"/>
+            <a:off x="3467307" y="4108012"/>
+            <a:ext cx="2138233" cy="524278"/>
           </a:xfrm>
           <a:prstGeom prst="rect">
             <a:avLst/>
@@ -10344,152 +10369,152 @@
           <a:p>
             <a:pPr eaLnBrk="1" hangingPunct="1"/>
             <a:r>
-              <a:rPr lang="en-US" altLang="zh-CN" sz="2400" dirty="0" err="1"/>
+              <a:rPr lang="en-US" altLang="zh-CN" dirty="0" err="1"/>
               <a:t>r</a:t>
             </a:r>
             <a:r>
-              <a:rPr lang="en-US" altLang="zh-CN" sz="2400" baseline="-25000" dirty="0" err="1"/>
+              <a:rPr lang="en-US" altLang="zh-CN" baseline="-25000" dirty="0" err="1"/>
               <a:t>x</a:t>
             </a:r>
             <a:r>
-              <a:rPr lang="en-US" altLang="zh-CN" sz="2400" dirty="0"/>
+              <a:rPr lang="en-US" altLang="zh-CN" dirty="0"/>
               <a:t> </a:t>
             </a:r>
             <a:r>
-              <a:rPr lang="zh-CN" altLang="en-US" sz="2400" dirty="0"/>
+              <a:rPr lang="zh-CN" altLang="en-US" dirty="0"/>
               <a:t>是用户</a:t>
             </a:r>
             <a:r>
-              <a:rPr lang="en-US" altLang="zh-CN" sz="2400" dirty="0"/>
+              <a:rPr lang="en-US" altLang="zh-CN" dirty="0"/>
               <a:t>x</a:t>
             </a:r>
             <a:r>
-              <a:rPr lang="zh-CN" altLang="en-US" sz="2400" dirty="0"/>
+              <a:rPr lang="zh-CN" altLang="en-US" dirty="0"/>
               <a:t>对所有电影的评分向量</a:t>
             </a:r>
           </a:p>
           <a:p>
             <a:pPr eaLnBrk="1" hangingPunct="1"/>
             <a:r>
-              <a:rPr lang="en-US" altLang="zh-CN" sz="2400" dirty="0"/>
+              <a:rPr lang="en-US" altLang="zh-CN" dirty="0"/>
               <a:t>Jaccard Distance</a:t>
             </a:r>
           </a:p>
           <a:p>
             <a:pPr lvl="1" eaLnBrk="1" hangingPunct="1"/>
             <a:r>
-              <a:rPr lang="zh-CN" altLang="en-US" sz="1800" dirty="0"/>
+              <a:rPr lang="zh-CN" altLang="en-US" sz="2000" dirty="0"/>
               <a:t>共同看过的电影数目</a:t>
             </a:r>
             <a:r>
-              <a:rPr lang="en-US" altLang="zh-CN" sz="1800" dirty="0"/>
+              <a:rPr lang="en-US" altLang="zh-CN" sz="2000" dirty="0"/>
               <a:t>/</a:t>
             </a:r>
             <a:r>
-              <a:rPr lang="zh-CN" altLang="en-US" sz="1800" dirty="0"/>
+              <a:rPr lang="zh-CN" altLang="en-US" sz="2000" dirty="0"/>
               <a:t>两人看过的总电影个数</a:t>
             </a:r>
           </a:p>
           <a:p>
             <a:pPr eaLnBrk="1" hangingPunct="1"/>
             <a:r>
-              <a:rPr lang="zh-CN" altLang="en-US" sz="2400" dirty="0"/>
+              <a:rPr lang="zh-CN" altLang="en-US" dirty="0"/>
               <a:t>计算</a:t>
             </a:r>
             <a:r>
-              <a:rPr lang="en-US" altLang="zh-CN" sz="2400" dirty="0"/>
+              <a:rPr lang="en-US" altLang="zh-CN" dirty="0"/>
               <a:t>Cosine similarity measure</a:t>
             </a:r>
           </a:p>
           <a:p>
             <a:pPr lvl="1" eaLnBrk="1" hangingPunct="1"/>
             <a:r>
-              <a:rPr lang="en-US" altLang="zh-CN" sz="1800" dirty="0"/>
+              <a:rPr lang="en-US" altLang="zh-CN" sz="2000" dirty="0"/>
               <a:t>sim(</a:t>
             </a:r>
             <a:r>
-              <a:rPr lang="en-US" altLang="zh-CN" sz="1800" dirty="0" err="1"/>
+              <a:rPr lang="en-US" altLang="zh-CN" sz="2000" dirty="0" err="1"/>
               <a:t>x,y</a:t>
             </a:r>
             <a:r>
-              <a:rPr lang="en-US" altLang="zh-CN" sz="1800" dirty="0"/>
+              <a:rPr lang="en-US" altLang="zh-CN" sz="2000" dirty="0"/>
               <a:t>) = cos(</a:t>
             </a:r>
             <a:r>
-              <a:rPr lang="en-US" altLang="zh-CN" sz="1800" dirty="0" err="1"/>
+              <a:rPr lang="en-US" altLang="zh-CN" sz="2000" dirty="0" err="1"/>
               <a:t>r</a:t>
             </a:r>
             <a:r>
-              <a:rPr lang="en-US" altLang="zh-CN" sz="1800" baseline="-25000" dirty="0" err="1"/>
+              <a:rPr lang="en-US" altLang="zh-CN" sz="2000" baseline="-25000" dirty="0" err="1"/>
               <a:t>x</a:t>
             </a:r>
             <a:r>
-              <a:rPr lang="en-US" altLang="zh-CN" sz="1800" baseline="-25000" dirty="0"/>
+              <a:rPr lang="en-US" altLang="zh-CN" sz="2000" baseline="-25000" dirty="0"/>
               <a:t> </a:t>
             </a:r>
             <a:r>
-              <a:rPr lang="en-US" altLang="zh-CN" sz="1800" dirty="0"/>
+              <a:rPr lang="en-US" altLang="zh-CN" sz="2000" dirty="0"/>
               <a:t>, </a:t>
             </a:r>
             <a:r>
-              <a:rPr lang="en-US" altLang="zh-CN" sz="1800" dirty="0" err="1"/>
+              <a:rPr lang="en-US" altLang="zh-CN" sz="2000" dirty="0" err="1"/>
               <a:t>r</a:t>
             </a:r>
             <a:r>
-              <a:rPr lang="en-US" altLang="zh-CN" sz="1800" baseline="-25000" dirty="0" err="1"/>
+              <a:rPr lang="en-US" altLang="zh-CN" sz="2000" baseline="-25000" dirty="0" err="1"/>
               <a:t>y</a:t>
             </a:r>
             <a:r>
-              <a:rPr lang="en-US" altLang="zh-CN" sz="1800" dirty="0"/>
+              <a:rPr lang="en-US" altLang="zh-CN" sz="2000" dirty="0"/>
               <a:t>)</a:t>
             </a:r>
           </a:p>
           <a:p>
             <a:pPr lvl="1" eaLnBrk="1" hangingPunct="1"/>
             <a:r>
-              <a:rPr lang="zh-CN" altLang="en-US" sz="1800" dirty="0"/>
+              <a:rPr lang="zh-CN" altLang="en-US" sz="2000" dirty="0"/>
               <a:t>如果里面有很多</a:t>
             </a:r>
             <a:r>
-              <a:rPr lang="en-US" altLang="zh-CN" sz="1800" dirty="0"/>
+              <a:rPr lang="en-US" altLang="zh-CN" sz="2000" dirty="0"/>
               <a:t>0</a:t>
             </a:r>
             <a:r>
-              <a:rPr lang="zh-CN" altLang="en-US" sz="1800" dirty="0"/>
+              <a:rPr lang="zh-CN" altLang="en-US" sz="2000" dirty="0"/>
               <a:t>，不太好</a:t>
             </a:r>
           </a:p>
           <a:p>
             <a:pPr eaLnBrk="1" hangingPunct="1"/>
             <a:r>
-              <a:rPr lang="zh-CN" altLang="en-US" sz="2400" dirty="0"/>
+              <a:rPr lang="zh-CN" altLang="en-US" dirty="0"/>
               <a:t>或</a:t>
             </a:r>
             <a:r>
-              <a:rPr lang="en-US" altLang="zh-CN" sz="2400" dirty="0"/>
+              <a:rPr lang="en-US" altLang="zh-CN" dirty="0"/>
               <a:t>Pearson</a:t>
             </a:r>
             <a:r>
-              <a:rPr lang="zh-CN" altLang="en-US" sz="2400" dirty="0"/>
+              <a:rPr lang="zh-CN" altLang="en-US" dirty="0"/>
               <a:t>相关系数</a:t>
             </a:r>
           </a:p>
           <a:p>
             <a:pPr lvl="1" eaLnBrk="1" hangingPunct="1"/>
             <a:r>
-              <a:rPr lang="en-US" altLang="zh-CN" sz="1800" dirty="0" err="1"/>
+              <a:rPr lang="en-US" altLang="zh-CN" sz="2000" dirty="0" err="1"/>
               <a:t>S</a:t>
             </a:r>
             <a:r>
-              <a:rPr lang="en-US" altLang="zh-CN" sz="1800" baseline="-25000" dirty="0" err="1"/>
+              <a:rPr lang="en-US" altLang="zh-CN" sz="2000" baseline="-25000" dirty="0" err="1"/>
               <a:t>xy</a:t>
             </a:r>
             <a:r>
-              <a:rPr lang="en-US" altLang="zh-CN" sz="1800" dirty="0"/>
+              <a:rPr lang="en-US" altLang="zh-CN" sz="2000" dirty="0"/>
               <a:t> </a:t>
             </a:r>
             <a:r>
-              <a:rPr lang="zh-CN" altLang="en-US" sz="1800" dirty="0"/>
+              <a:rPr lang="zh-CN" altLang="en-US" sz="2000" dirty="0"/>
               <a:t>对两人都看过的电影</a:t>
             </a:r>
           </a:p>
@@ -10528,8 +10553,8 @@
         </p:blipFill>
         <p:spPr bwMode="auto">
           <a:xfrm>
-            <a:off x="2228850" y="4686301"/>
-            <a:ext cx="3771900" cy="607219"/>
+            <a:off x="2208753" y="5220673"/>
+            <a:ext cx="4470680" cy="719712"/>
           </a:xfrm>
           <a:prstGeom prst="rect">
             <a:avLst/>
@@ -11139,206 +11164,236 @@
         </p:nvSpPr>
         <p:spPr/>
         <p:txBody>
-          <a:bodyPr/>
+          <a:bodyPr>
+            <a:normAutofit/>
+          </a:bodyPr>
           <a:lstStyle/>
           <a:p>
             <a:pPr eaLnBrk="1" hangingPunct="1"/>
             <a:r>
-              <a:rPr lang="zh-CN" altLang="en-US"/>
+              <a:rPr lang="zh-CN" altLang="en-US" sz="3200" dirty="0"/>
               <a:t>找出看过电影</a:t>
             </a:r>
             <a:r>
-              <a:rPr lang="en-US" altLang="zh-CN"/>
+              <a:rPr lang="en-US" altLang="zh-CN" sz="3200" dirty="0"/>
               <a:t>s</a:t>
             </a:r>
             <a:r>
-              <a:rPr lang="zh-CN" altLang="en-US"/>
+              <a:rPr lang="zh-CN" altLang="en-US" sz="3200" dirty="0"/>
               <a:t>的和用户</a:t>
             </a:r>
             <a:r>
-              <a:rPr lang="en-US" altLang="zh-CN"/>
+              <a:rPr lang="en-US" altLang="zh-CN" sz="3200" dirty="0"/>
               <a:t>c</a:t>
             </a:r>
             <a:r>
-              <a:rPr lang="zh-CN" altLang="en-US"/>
+              <a:rPr lang="zh-CN" altLang="en-US" sz="3200" dirty="0"/>
               <a:t>最相似的</a:t>
             </a:r>
             <a:r>
-              <a:rPr lang="en-US" altLang="zh-CN"/>
+              <a:rPr lang="en-US" altLang="zh-CN" sz="3200" dirty="0"/>
               <a:t>k</a:t>
             </a:r>
             <a:r>
-              <a:rPr lang="zh-CN" altLang="en-US"/>
+              <a:rPr lang="zh-CN" altLang="en-US" sz="3200" dirty="0"/>
               <a:t>个用户，形成集合</a:t>
             </a:r>
             <a:r>
-              <a:rPr lang="en-US" altLang="zh-CN"/>
+              <a:rPr lang="en-US" altLang="zh-CN" sz="3200" dirty="0"/>
               <a:t>D</a:t>
             </a:r>
-            <a:endParaRPr lang="en-US" altLang="zh-CN" i="1"/>
+            <a:endParaRPr lang="en-US" altLang="zh-CN" sz="3200" i="1" dirty="0"/>
           </a:p>
           <a:p>
             <a:pPr eaLnBrk="1" hangingPunct="1"/>
             <a:r>
-              <a:rPr lang="en-US" altLang="zh-CN"/>
+              <a:rPr lang="en-US" altLang="zh-CN" sz="3200" dirty="0"/>
               <a:t>c</a:t>
             </a:r>
             <a:r>
-              <a:rPr lang="zh-CN" altLang="en-US"/>
+              <a:rPr lang="zh-CN" altLang="en-US" sz="3200" dirty="0"/>
               <a:t>看</a:t>
             </a:r>
             <a:r>
-              <a:rPr lang="en-US" altLang="zh-CN"/>
+              <a:rPr lang="en-US" altLang="zh-CN" sz="3200" dirty="0"/>
               <a:t>s</a:t>
             </a:r>
             <a:r>
-              <a:rPr lang="zh-CN" altLang="en-US"/>
+              <a:rPr lang="zh-CN" altLang="en-US" sz="3200" dirty="0"/>
               <a:t>的可能性：</a:t>
             </a:r>
           </a:p>
           <a:p>
             <a:pPr lvl="1" eaLnBrk="1" hangingPunct="1"/>
             <a:r>
-              <a:rPr lang="en-US" altLang="zh-CN"/>
+              <a:rPr lang="en-US" altLang="zh-CN" sz="2800" dirty="0" err="1"/>
               <a:t>r</a:t>
             </a:r>
             <a:r>
-              <a:rPr lang="en-US" altLang="zh-CN" baseline="-25000"/>
+              <a:rPr lang="en-US" altLang="zh-CN" sz="2800" baseline="-25000" dirty="0" err="1"/>
               <a:t>cs</a:t>
             </a:r>
             <a:r>
-              <a:rPr lang="en-US" altLang="zh-CN"/>
+              <a:rPr lang="en-US" altLang="zh-CN" sz="2800" dirty="0"/>
               <a:t> = 1/k </a:t>
             </a:r>
             <a:r>
-              <a:rPr lang="en-US" altLang="zh-CN">
+              <a:rPr lang="en-US" altLang="zh-CN" sz="2800" dirty="0">
                 <a:latin typeface="Symbol" pitchFamily="2" charset="2"/>
                 <a:sym typeface="Symbol" pitchFamily="2" charset="2"/>
               </a:rPr>
               <a:t></a:t>
             </a:r>
             <a:r>
-              <a:rPr lang="en-US" altLang="zh-CN" baseline="-25000">
+              <a:rPr lang="en-US" altLang="zh-CN" sz="2800" baseline="-25000" dirty="0">
                 <a:sym typeface="Symbol" pitchFamily="2" charset="2"/>
               </a:rPr>
               <a:t>d in D</a:t>
             </a:r>
             <a:r>
-              <a:rPr lang="en-US" altLang="zh-CN"/>
-              <a:t> r</a:t>
-            </a:r>
-            <a:r>
-              <a:rPr lang="en-US" altLang="zh-CN" baseline="-25000"/>
-              <a:t>ds </a:t>
-            </a:r>
-            <a:r>
-              <a:rPr lang="zh-CN" altLang="en-US" baseline="-25000"/>
+              <a:rPr lang="en-US" altLang="zh-CN" sz="2800" dirty="0"/>
+              <a:t> </a:t>
+            </a:r>
+            <a:r>
+              <a:rPr lang="en-US" altLang="zh-CN" sz="2800" dirty="0" err="1"/>
+              <a:t>r</a:t>
+            </a:r>
+            <a:r>
+              <a:rPr lang="en-US" altLang="zh-CN" sz="2800" baseline="-25000" dirty="0" err="1"/>
+              <a:t>ds</a:t>
+            </a:r>
+            <a:r>
+              <a:rPr lang="en-US" altLang="zh-CN" sz="2800" baseline="-25000" dirty="0"/>
+              <a:t> </a:t>
+            </a:r>
+            <a:r>
+              <a:rPr lang="zh-CN" altLang="en-US" sz="2800" baseline="-25000" dirty="0"/>
               <a:t>：</a:t>
             </a:r>
             <a:r>
-              <a:rPr lang="zh-CN" altLang="en-US"/>
+              <a:rPr lang="zh-CN" altLang="en-US" sz="2800" dirty="0"/>
               <a:t>简单加权平均</a:t>
             </a:r>
-            <a:endParaRPr lang="zh-CN" altLang="en-US" baseline="-25000"/>
+            <a:endParaRPr lang="zh-CN" altLang="en-US" sz="2800" baseline="-25000" dirty="0"/>
           </a:p>
           <a:p>
             <a:pPr lvl="1" eaLnBrk="1" hangingPunct="1"/>
-            <a:endParaRPr lang="zh-CN" altLang="en-US" baseline="-25000"/>
+            <a:endParaRPr lang="zh-CN" altLang="en-US" sz="2800" baseline="-25000" dirty="0"/>
           </a:p>
           <a:p>
             <a:pPr lvl="1" eaLnBrk="1" hangingPunct="1"/>
             <a:r>
-              <a:rPr lang="en-US" altLang="zh-CN"/>
+              <a:rPr lang="en-US" altLang="zh-CN" sz="2800" dirty="0" err="1"/>
               <a:t>r</a:t>
             </a:r>
             <a:r>
-              <a:rPr lang="en-US" altLang="zh-CN" baseline="-25000"/>
+              <a:rPr lang="en-US" altLang="zh-CN" sz="2800" baseline="-25000" dirty="0" err="1"/>
               <a:t>cs</a:t>
             </a:r>
             <a:r>
-              <a:rPr lang="en-US" altLang="zh-CN"/>
+              <a:rPr lang="en-US" altLang="zh-CN" sz="2800" dirty="0"/>
               <a:t> = (</a:t>
             </a:r>
             <a:r>
-              <a:rPr lang="en-US" altLang="zh-CN">
+              <a:rPr lang="en-US" altLang="zh-CN" sz="2800" dirty="0">
                 <a:latin typeface="Symbol" pitchFamily="2" charset="2"/>
                 <a:sym typeface="Symbol" pitchFamily="2" charset="2"/>
               </a:rPr>
               <a:t></a:t>
             </a:r>
             <a:r>
-              <a:rPr lang="en-US" altLang="zh-CN" baseline="-25000">
+              <a:rPr lang="en-US" altLang="zh-CN" sz="2800" baseline="-25000" dirty="0">
                 <a:sym typeface="Symbol" pitchFamily="2" charset="2"/>
               </a:rPr>
               <a:t>d in D</a:t>
             </a:r>
             <a:r>
-              <a:rPr lang="en-US" altLang="zh-CN"/>
-              <a:t> sim(c,d)×r</a:t>
-            </a:r>
-            <a:r>
-              <a:rPr lang="en-US" altLang="zh-CN" baseline="-25000"/>
+              <a:rPr lang="en-US" altLang="zh-CN" sz="2800" dirty="0"/>
+              <a:t> sim(</a:t>
+            </a:r>
+            <a:r>
+              <a:rPr lang="en-US" altLang="zh-CN" sz="2800" dirty="0" err="1"/>
+              <a:t>c,d</a:t>
+            </a:r>
+            <a:r>
+              <a:rPr lang="en-US" altLang="zh-CN" sz="2800" dirty="0"/>
+              <a:t>)×</a:t>
+            </a:r>
+            <a:r>
+              <a:rPr lang="en-US" altLang="zh-CN" sz="2800" dirty="0" err="1"/>
+              <a:t>r</a:t>
+            </a:r>
+            <a:r>
+              <a:rPr lang="en-US" altLang="zh-CN" sz="2800" baseline="-25000" dirty="0" err="1"/>
               <a:t>ds</a:t>
             </a:r>
             <a:r>
-              <a:rPr lang="en-US" altLang="zh-CN"/>
+              <a:rPr lang="en-US" altLang="zh-CN" sz="2800" dirty="0"/>
               <a:t>)/(</a:t>
             </a:r>
             <a:r>
-              <a:rPr lang="en-US" altLang="zh-CN">
+              <a:rPr lang="en-US" altLang="zh-CN" sz="2800" dirty="0">
                 <a:latin typeface="Symbol" pitchFamily="2" charset="2"/>
                 <a:sym typeface="Symbol" pitchFamily="2" charset="2"/>
               </a:rPr>
               <a:t></a:t>
             </a:r>
             <a:r>
-              <a:rPr lang="en-US" altLang="zh-CN" baseline="-50000">
+              <a:rPr lang="en-US" altLang="zh-CN" sz="2800" baseline="-50000" dirty="0">
                 <a:sym typeface="Symbol" pitchFamily="2" charset="2"/>
               </a:rPr>
               <a:t>d</a:t>
             </a:r>
             <a:r>
-              <a:rPr lang="en-US" altLang="zh-CN" baseline="-25000">
+              <a:rPr lang="en-US" altLang="zh-CN" sz="2800" baseline="-25000" dirty="0">
                 <a:sym typeface="Symbol" pitchFamily="2" charset="2"/>
               </a:rPr>
               <a:t> in </a:t>
             </a:r>
             <a:r>
-              <a:rPr lang="en-US" altLang="zh-CN" baseline="-50000">
+              <a:rPr lang="en-US" altLang="zh-CN" sz="2800" baseline="-50000" dirty="0">
                 <a:sym typeface="Symbol" pitchFamily="2" charset="2"/>
               </a:rPr>
               <a:t> D</a:t>
             </a:r>
             <a:r>
-              <a:rPr lang="en-US" altLang="zh-CN">
+              <a:rPr lang="en-US" altLang="zh-CN" sz="2800" dirty="0">
                 <a:latin typeface="Times" pitchFamily="2" charset="0"/>
                 <a:sym typeface="Symbol" pitchFamily="2" charset="2"/>
               </a:rPr>
               <a:t> </a:t>
             </a:r>
             <a:r>
-              <a:rPr lang="en-US" altLang="zh-CN"/>
-              <a:t>sim(c,d))</a:t>
-            </a:r>
-            <a:r>
-              <a:rPr lang="zh-CN" altLang="en-US"/>
+              <a:rPr lang="en-US" altLang="zh-CN" sz="2800" dirty="0"/>
+              <a:t>sim(</a:t>
+            </a:r>
+            <a:r>
+              <a:rPr lang="en-US" altLang="zh-CN" sz="2800" dirty="0" err="1"/>
+              <a:t>c,d</a:t>
+            </a:r>
+            <a:r>
+              <a:rPr lang="en-US" altLang="zh-CN" sz="2800" dirty="0"/>
+              <a:t>))</a:t>
+            </a:r>
+            <a:r>
+              <a:rPr lang="zh-CN" altLang="en-US" sz="2800" dirty="0"/>
               <a:t>：</a:t>
             </a:r>
           </a:p>
           <a:p>
             <a:pPr lvl="1" eaLnBrk="1" hangingPunct="1"/>
             <a:r>
-              <a:rPr lang="zh-CN" altLang="en-US"/>
+              <a:rPr lang="zh-CN" altLang="en-US" sz="2800" dirty="0"/>
               <a:t>考虑用户间相似性的加权平均</a:t>
             </a:r>
           </a:p>
           <a:p>
             <a:pPr eaLnBrk="1" hangingPunct="1"/>
-            <a:endParaRPr lang="zh-CN" altLang="en-US"/>
+            <a:endParaRPr lang="zh-CN" altLang="en-US" sz="3200" dirty="0"/>
           </a:p>
           <a:p>
             <a:pPr lvl="1" eaLnBrk="1" hangingPunct="1"/>
-            <a:endParaRPr lang="en-US" altLang="zh-CN"/>
+            <a:endParaRPr lang="en-US" altLang="zh-CN" sz="2800" dirty="0"/>
           </a:p>
         </p:txBody>
       </p:sp>
@@ -11739,34 +11794,36 @@
         </p:nvSpPr>
         <p:spPr/>
         <p:txBody>
-          <a:bodyPr/>
+          <a:bodyPr>
+            <a:normAutofit/>
+          </a:bodyPr>
           <a:lstStyle/>
           <a:p>
             <a:pPr eaLnBrk="1" hangingPunct="1"/>
             <a:r>
-              <a:rPr lang="zh-CN" altLang="en-US" dirty="0"/>
+              <a:rPr lang="zh-CN" altLang="en-US" sz="3200" dirty="0"/>
               <a:t>找</a:t>
             </a:r>
             <a:r>
-              <a:rPr lang="en-US" altLang="zh-CN" dirty="0"/>
+              <a:rPr lang="en-US" altLang="zh-CN" sz="3200" dirty="0"/>
               <a:t>k</a:t>
             </a:r>
             <a:r>
-              <a:rPr lang="zh-CN" altLang="en-US" dirty="0"/>
+              <a:rPr lang="zh-CN" altLang="en-US" sz="3200" dirty="0"/>
               <a:t>个相似的用户计算量比较大</a:t>
             </a:r>
           </a:p>
           <a:p>
             <a:pPr lvl="1" eaLnBrk="1" hangingPunct="1"/>
             <a:r>
-              <a:rPr lang="zh-CN" altLang="en-US" dirty="0"/>
+              <a:rPr lang="zh-CN" altLang="en-US" sz="2800" dirty="0"/>
               <a:t>因为用户数多</a:t>
             </a:r>
           </a:p>
           <a:p>
             <a:pPr eaLnBrk="1" hangingPunct="1"/>
             <a:r>
-              <a:rPr lang="zh-CN" altLang="en-US" dirty="0"/>
+              <a:rPr lang="zh-CN" altLang="en-US" sz="3200" dirty="0"/>
               <a:t>考虑聚类。但准确度下降</a:t>
             </a:r>
           </a:p>
@@ -11775,7 +11832,7 @@
               <a:buFontTx/>
               <a:buNone/>
             </a:pPr>
-            <a:endParaRPr lang="en-US" altLang="zh-CN" dirty="0"/>
+            <a:endParaRPr lang="en-US" altLang="zh-CN" sz="2800" dirty="0"/>
           </a:p>
         </p:txBody>
       </p:sp>
@@ -18281,7 +18338,7 @@
           <a:graphicData uri="http://schemas.openxmlformats.org/presentationml/2006/ole">
             <mc:AlternateContent xmlns:mc="http://schemas.openxmlformats.org/markup-compatibility/2006">
               <mc:Choice xmlns:v="urn:schemas-microsoft-com:vml" Requires="v">
-                <p:oleObj spid="_x0000_s8243" name="Equation" r:id="rId4" imgW="28384500" imgH="20485100" progId="Equation.3">
+                <p:oleObj spid="_x0000_s8245" name="Equation" r:id="rId4" imgW="28384500" imgH="20485100" progId="Equation.3">
                   <p:embed/>
                 </p:oleObj>
               </mc:Choice>
